--- a/SocketsJavaNetbeans_Grupo2/DOCUMENTACION/SocketsChat_Grupo2.pptx
+++ b/SocketsJavaNetbeans_Grupo2/DOCUMENTACION/SocketsChat_Grupo2.pptx
@@ -2627,7 +2627,7 @@
           <a:p>
             <a:fld id="{3E0690D5-D519-41DB-B4EF-34C6DC34EE12}" type="datetimeFigureOut">
               <a:rPr lang="es-ES" smtClean="0"/>
-              <a:t>17/07/2023</a:t>
+              <a:t>19/07/2023</a:t>
             </a:fld>
             <a:endParaRPr lang="es-ES"/>
           </a:p>
@@ -3224,7 +3224,7 @@
             <a:fld id="{B61BEF0D-F0BB-DE4B-95CE-6DB70DBA9567}" type="datetimeFigureOut">
               <a:rPr lang="en-US" smtClean="0"/>
               <a:pPr/>
-              <a:t>7/17/2023</a:t>
+              <a:t>7/19/2023</a:t>
             </a:fld>
             <a:endParaRPr lang="en-US"/>
           </a:p>
@@ -3488,7 +3488,7 @@
             <a:fld id="{B61BEF0D-F0BB-DE4B-95CE-6DB70DBA9567}" type="datetimeFigureOut">
               <a:rPr lang="en-US" smtClean="0"/>
               <a:pPr/>
-              <a:t>7/17/2023</a:t>
+              <a:t>7/19/2023</a:t>
             </a:fld>
             <a:endParaRPr lang="en-US"/>
           </a:p>
@@ -3725,7 +3725,7 @@
             <a:fld id="{B61BEF0D-F0BB-DE4B-95CE-6DB70DBA9567}" type="datetimeFigureOut">
               <a:rPr lang="en-US" smtClean="0"/>
               <a:pPr/>
-              <a:t>7/17/2023</a:t>
+              <a:t>7/19/2023</a:t>
             </a:fld>
             <a:endParaRPr lang="en-US"/>
           </a:p>
@@ -3967,7 +3967,7 @@
             <a:fld id="{B61BEF0D-F0BB-DE4B-95CE-6DB70DBA9567}" type="datetimeFigureOut">
               <a:rPr lang="en-US" smtClean="0"/>
               <a:pPr/>
-              <a:t>7/17/2023</a:t>
+              <a:t>7/19/2023</a:t>
             </a:fld>
             <a:endParaRPr lang="en-US"/>
           </a:p>
@@ -4276,7 +4276,7 @@
             <a:fld id="{B61BEF0D-F0BB-DE4B-95CE-6DB70DBA9567}" type="datetimeFigureOut">
               <a:rPr lang="en-US" smtClean="0"/>
               <a:pPr/>
-              <a:t>7/17/2023</a:t>
+              <a:t>7/19/2023</a:t>
             </a:fld>
             <a:endParaRPr lang="en-US"/>
           </a:p>
@@ -4580,7 +4580,7 @@
             <a:fld id="{B61BEF0D-F0BB-DE4B-95CE-6DB70DBA9567}" type="datetimeFigureOut">
               <a:rPr lang="en-US" smtClean="0"/>
               <a:pPr/>
-              <a:t>7/17/2023</a:t>
+              <a:t>7/19/2023</a:t>
             </a:fld>
             <a:endParaRPr lang="en-US"/>
           </a:p>
@@ -5004,7 +5004,7 @@
             <a:fld id="{B61BEF0D-F0BB-DE4B-95CE-6DB70DBA9567}" type="datetimeFigureOut">
               <a:rPr lang="en-US" smtClean="0"/>
               <a:pPr/>
-              <a:t>7/17/2023</a:t>
+              <a:t>7/19/2023</a:t>
             </a:fld>
             <a:endParaRPr lang="en-US"/>
           </a:p>
@@ -5101,7 +5101,7 @@
             <a:fld id="{B61BEF0D-F0BB-DE4B-95CE-6DB70DBA9567}" type="datetimeFigureOut">
               <a:rPr lang="en-US" smtClean="0"/>
               <a:pPr/>
-              <a:t>7/17/2023</a:t>
+              <a:t>7/19/2023</a:t>
             </a:fld>
             <a:endParaRPr lang="en-US"/>
           </a:p>
@@ -5265,7 +5265,7 @@
             <a:fld id="{B61BEF0D-F0BB-DE4B-95CE-6DB70DBA9567}" type="datetimeFigureOut">
               <a:rPr lang="en-US" smtClean="0"/>
               <a:pPr/>
-              <a:t>7/17/2023</a:t>
+              <a:t>7/19/2023</a:t>
             </a:fld>
             <a:endParaRPr lang="en-US"/>
           </a:p>
@@ -5645,7 +5645,7 @@
             <a:fld id="{B61BEF0D-F0BB-DE4B-95CE-6DB70DBA9567}" type="datetimeFigureOut">
               <a:rPr lang="en-US" smtClean="0"/>
               <a:pPr/>
-              <a:t>7/17/2023</a:t>
+              <a:t>7/19/2023</a:t>
             </a:fld>
             <a:endParaRPr lang="en-US"/>
           </a:p>
@@ -5936,7 +5936,7 @@
             <a:fld id="{B61BEF0D-F0BB-DE4B-95CE-6DB70DBA9567}" type="datetimeFigureOut">
               <a:rPr lang="en-US" smtClean="0"/>
               <a:pPr/>
-              <a:t>7/17/2023</a:t>
+              <a:t>7/19/2023</a:t>
             </a:fld>
             <a:endParaRPr lang="en-US"/>
           </a:p>
@@ -6149,7 +6149,7 @@
             <a:fld id="{B61BEF0D-F0BB-DE4B-95CE-6DB70DBA9567}" type="datetimeFigureOut">
               <a:rPr lang="en-US" smtClean="0"/>
               <a:pPr/>
-              <a:t>7/17/2023</a:t>
+              <a:t>7/19/2023</a:t>
             </a:fld>
             <a:endParaRPr lang="en-US"/>
           </a:p>
@@ -6851,20 +6851,12 @@
           </a:p>
           <a:p>
             <a:r>
-              <a:rPr lang="es-EC" dirty="0" err="1">
-                <a:solidFill>
-                  <a:schemeClr val="bg1"/>
-                </a:solidFill>
-              </a:rPr>
-              <a:t>Pallango</a:t>
-            </a:r>
-            <a:r>
               <a:rPr lang="es-EC" dirty="0">
                 <a:solidFill>
                   <a:schemeClr val="bg1"/>
                 </a:solidFill>
               </a:rPr>
-              <a:t> </a:t>
+              <a:t>			    Pallango </a:t>
             </a:r>
             <a:r>
               <a:rPr lang="es-EC" dirty="0" err="1">
@@ -6881,6 +6873,14 @@
             </a:endParaRPr>
           </a:p>
           <a:p>
+            <a:r>
+              <a:rPr lang="es-EC" dirty="0">
+                <a:solidFill>
+                  <a:schemeClr val="bg1"/>
+                </a:solidFill>
+              </a:rPr>
+              <a:t>			    </a:t>
+            </a:r>
             <a:r>
               <a:rPr lang="es-EC" dirty="0" err="1">
                 <a:solidFill>
@@ -48594,6 +48594,15 @@
 </file>
 
 <file path=customXml/item1.xml><?xml version="1.0" encoding="utf-8"?>
+<?mso-contentType ?>
+<FormTemplates xmlns="http://schemas.microsoft.com/sharepoint/v3/contenttype/forms">
+  <Display>DocumentLibraryForm</Display>
+  <Edit>DocumentLibraryForm</Edit>
+  <New>DocumentLibraryForm</New>
+</FormTemplates>
+</file>
+
+<file path=customXml/item2.xml><?xml version="1.0" encoding="utf-8"?>
 <ct:contentTypeSchema xmlns:ct="http://schemas.microsoft.com/office/2006/metadata/contentType" xmlns:ma="http://schemas.microsoft.com/office/2006/metadata/properties/metaAttributes" ct:_="" ma:_="" ma:contentTypeName="Documento" ma:contentTypeID="0x010100C854A3B6139C2F4CA267C833574EC0B2" ma:contentTypeVersion="7" ma:contentTypeDescription="Crear nuevo documento." ma:contentTypeScope="" ma:versionID="7eff8e76f9b73fd43022abad00f5e571">
   <xsd:schema xmlns:xsd="http://www.w3.org/2001/XMLSchema" xmlns:xs="http://www.w3.org/2001/XMLSchema" xmlns:p="http://schemas.microsoft.com/office/2006/metadata/properties" xmlns:ns3="757c851f-a54b-415f-9d4a-84ace0105453" xmlns:ns4="fabca9b8-e3d4-4b8b-aadf-8632b399ac5a" targetNamespace="http://schemas.microsoft.com/office/2006/metadata/properties" ma:root="true" ma:fieldsID="bd593ea182a9448b443016ba10a5b4bf" ns3:_="" ns4:_="">
     <xsd:import namespace="757c851f-a54b-415f-9d4a-84ace0105453"/>
@@ -48778,22 +48787,21 @@
 </ct:contentTypeSchema>
 </file>
 
-<file path=customXml/item2.xml><?xml version="1.0" encoding="utf-8"?>
+<file path=customXml/item3.xml><?xml version="1.0" encoding="utf-8"?>
 <p:properties xmlns:p="http://schemas.microsoft.com/office/2006/metadata/properties" xmlns:xsi="http://www.w3.org/2001/XMLSchema-instance" xmlns:pc="http://schemas.microsoft.com/office/infopath/2007/PartnerControls">
   <documentManagement/>
 </p:properties>
 </file>
 
-<file path=customXml/item3.xml><?xml version="1.0" encoding="utf-8"?>
-<?mso-contentType ?>
-<FormTemplates xmlns="http://schemas.microsoft.com/sharepoint/v3/contenttype/forms">
-  <Display>DocumentLibraryForm</Display>
-  <Edit>DocumentLibraryForm</Edit>
-  <New>DocumentLibraryForm</New>
-</FormTemplates>
+<file path=customXml/itemProps1.xml><?xml version="1.0" encoding="utf-8"?>
+<ds:datastoreItem xmlns:ds="http://schemas.openxmlformats.org/officeDocument/2006/customXml" ds:itemID="{F3DCAEA0-94B1-4E6A-AD26-F5EDE5307CAC}">
+  <ds:schemaRefs>
+    <ds:schemaRef ds:uri="http://schemas.microsoft.com/sharepoint/v3/contenttype/forms"/>
+  </ds:schemaRefs>
+</ds:datastoreItem>
 </file>
 
-<file path=customXml/itemProps1.xml><?xml version="1.0" encoding="utf-8"?>
+<file path=customXml/itemProps2.xml><?xml version="1.0" encoding="utf-8"?>
 <ds:datastoreItem xmlns:ds="http://schemas.openxmlformats.org/officeDocument/2006/customXml" ds:itemID="{181294FA-BF06-4978-9A7F-A70E0F9AD214}">
   <ds:schemaRefs>
     <ds:schemaRef ds:uri="757c851f-a54b-415f-9d4a-84ace0105453"/>
@@ -48812,7 +48820,7 @@
 </ds:datastoreItem>
 </file>
 
-<file path=customXml/itemProps2.xml><?xml version="1.0" encoding="utf-8"?>
+<file path=customXml/itemProps3.xml><?xml version="1.0" encoding="utf-8"?>
 <ds:datastoreItem xmlns:ds="http://schemas.openxmlformats.org/officeDocument/2006/customXml" ds:itemID="{E476FF2B-C098-40B2-8C02-A6808430CAFA}">
   <ds:schemaRefs>
     <ds:schemaRef ds:uri="757c851f-a54b-415f-9d4a-84ace0105453"/>
@@ -48827,12 +48835,4 @@
     <ds:schemaRef ds:uri="http://www.w3.org/XML/1998/namespace"/>
   </ds:schemaRefs>
 </ds:datastoreItem>
-</file>
-
-<file path=customXml/itemProps3.xml><?xml version="1.0" encoding="utf-8"?>
-<ds:datastoreItem xmlns:ds="http://schemas.openxmlformats.org/officeDocument/2006/customXml" ds:itemID="{F3DCAEA0-94B1-4E6A-AD26-F5EDE5307CAC}">
-  <ds:schemaRefs>
-    <ds:schemaRef ds:uri="http://schemas.microsoft.com/sharepoint/v3/contenttype/forms"/>
-  </ds:schemaRefs>
-</ds:datastoreItem>
 </file>